--- a/Data Science Job Profile Analysis.pptx
+++ b/Data Science Job Profile Analysis.pptx
@@ -162,6 +162,9 @@
         </p14:section>
       </p14:sectionLst>
     </p:ext>
+    <p:ext uri="{EFAFB233-063F-42B5-8137-9DF3F51BA10A}">
+      <p15:sldGuideLst xmlns:p15="http://schemas.microsoft.com/office/powerpoint/2012/main"/>
+    </p:ext>
   </p:extLst>
 </p:presentation>
 </file>
@@ -319,7 +322,7 @@
           <a:p>
             <a:fld id="{79C5A860-F335-4252-AA00-24FB67ED2982}" type="datetime1">
               <a:rPr lang="en-US" smtClean="0"/>
-              <a:t>15-Oct-23</a:t>
+              <a:t>21-Oct-23</a:t>
             </a:fld>
             <a:endParaRPr lang="en-US"/>
           </a:p>
@@ -518,7 +521,7 @@
           <a:p>
             <a:fld id="{46AB1048-0047-48CA-88BA-D69B470942CF}" type="datetime1">
               <a:rPr lang="en-US" smtClean="0"/>
-              <a:t>15-Oct-23</a:t>
+              <a:t>21-Oct-23</a:t>
             </a:fld>
             <a:endParaRPr lang="en-US"/>
           </a:p>
@@ -728,7 +731,7 @@
           <a:p>
             <a:fld id="{5BD83879-648C-49A9-81A2-0EF5946532D0}" type="datetime1">
               <a:rPr lang="en-US" smtClean="0"/>
-              <a:t>15-Oct-23</a:t>
+              <a:t>21-Oct-23</a:t>
             </a:fld>
             <a:endParaRPr lang="en-US"/>
           </a:p>
@@ -926,7 +929,7 @@
           <a:p>
             <a:fld id="{D04BC802-30E3-4658-9CCA-F873646FEC67}" type="datetime1">
               <a:rPr lang="en-US" smtClean="0"/>
-              <a:t>15-Oct-23</a:t>
+              <a:t>21-Oct-23</a:t>
             </a:fld>
             <a:endParaRPr lang="en-US"/>
           </a:p>
@@ -1204,7 +1207,7 @@
           <a:p>
             <a:fld id="{0AB227A3-19CE-4153-81CE-64EB7AB094B3}" type="datetime1">
               <a:rPr lang="en-US" smtClean="0"/>
-              <a:t>15-Oct-23</a:t>
+              <a:t>21-Oct-23</a:t>
             </a:fld>
             <a:endParaRPr lang="en-US"/>
           </a:p>
@@ -1471,7 +1474,7 @@
           <a:p>
             <a:fld id="{B819A100-10F6-477E-8847-29D479EF1C92}" type="datetime1">
               <a:rPr lang="en-US" smtClean="0"/>
-              <a:t>15-Oct-23</a:t>
+              <a:t>21-Oct-23</a:t>
             </a:fld>
             <a:endParaRPr lang="en-US"/>
           </a:p>
@@ -1885,7 +1888,7 @@
           <a:p>
             <a:fld id="{5DF128AB-198A-495F-8475-FDB360C9873F}" type="datetime1">
               <a:rPr lang="en-US" smtClean="0"/>
-              <a:t>15-Oct-23</a:t>
+              <a:t>21-Oct-23</a:t>
             </a:fld>
             <a:endParaRPr lang="en-US"/>
           </a:p>
@@ -2026,7 +2029,7 @@
           <a:p>
             <a:fld id="{021A235E-F8FD-479F-9FC7-18BE84110877}" type="datetime1">
               <a:rPr lang="en-US" smtClean="0"/>
-              <a:t>15-Oct-23</a:t>
+              <a:t>21-Oct-23</a:t>
             </a:fld>
             <a:endParaRPr lang="en-US"/>
           </a:p>
@@ -2139,7 +2142,7 @@
           <a:p>
             <a:fld id="{E890F09B-68DA-462E-9DB4-4C9ADAB8CBCC}" type="datetime1">
               <a:rPr lang="en-US" smtClean="0"/>
-              <a:t>15-Oct-23</a:t>
+              <a:t>21-Oct-23</a:t>
             </a:fld>
             <a:endParaRPr lang="en-US"/>
           </a:p>
@@ -2458,7 +2461,7 @@
           <a:p>
             <a:fld id="{17AC4E36-FABE-47EB-AA7F-C19A93824617}" type="datetime1">
               <a:rPr lang="en-US" smtClean="0"/>
-              <a:t>15-Oct-23</a:t>
+              <a:t>21-Oct-23</a:t>
             </a:fld>
             <a:endParaRPr lang="en-US"/>
           </a:p>
@@ -2755,7 +2758,7 @@
           <a:p>
             <a:fld id="{F199CE6B-5DE6-4A2D-B72E-5E8969F9F56F}" type="datetime1">
               <a:rPr lang="en-US" smtClean="0"/>
-              <a:t>15-Oct-23</a:t>
+              <a:t>21-Oct-23</a:t>
             </a:fld>
             <a:endParaRPr lang="en-US"/>
           </a:p>
@@ -3613,7 +3616,7 @@
           <a:p>
             <a:fld id="{F481A142-DA77-4A5F-AD1F-14E6C18F0F5F}" type="datetime1">
               <a:rPr lang="en-US" smtClean="0"/>
-              <a:t>15-Oct-23</a:t>
+              <a:t>21-Oct-23</a:t>
             </a:fld>
             <a:endParaRPr lang="en-US" dirty="0"/>
           </a:p>
@@ -6173,7 +6176,7 @@
               <a:t>I conducted an analysis of the </a:t>
             </a:r>
             <a:r>
-              <a:rPr lang="en-US" u="sng">
+              <a:rPr lang="en-US" u="sng" dirty="0">
                 <a:effectLst/>
                 <a:ea typeface="Calibri" panose="020F0502020204030204" pitchFamily="34" charset="0"/>
                 <a:cs typeface="Times New Roman" panose="02020603050405020304" pitchFamily="18" charset="0"/>
@@ -6183,8 +6186,38 @@
             </a:r>
             <a:r>
               <a:rPr lang="en-US" dirty="0"/>
-              <a:t> dataset to get an idea of what the typical data scientist job profile looks like. My goal was to get an idea of the salary range and amount of remote work offered.</a:t>
+              <a:t> dataset to get an idea of what the typical data scientist job profile looks like. The goal of my analysis was to </a:t>
             </a:r>
+            <a:r>
+              <a:rPr lang="en-US" sz="1800" b="0" i="0" u="none" strike="noStrike" dirty="0">
+                <a:solidFill>
+                  <a:srgbClr val="000000"/>
+                </a:solidFill>
+                <a:effectLst/>
+                <a:latin typeface="Montserrat" panose="00000500000000000000" pitchFamily="2" charset="0"/>
+              </a:rPr>
+              <a:t>showcase trends in level of compensation, prevalence of remote work, </a:t>
+            </a:r>
+            <a:r>
+              <a:rPr lang="en-US" sz="1800" dirty="0">
+                <a:solidFill>
+                  <a:srgbClr val="000000"/>
+                </a:solidFill>
+                <a:latin typeface="Montserrat" panose="00000500000000000000" pitchFamily="2" charset="0"/>
+              </a:rPr>
+              <a:t>location, and </a:t>
+            </a:r>
+            <a:r>
+              <a:rPr lang="en-US" sz="1800" b="0" i="0" u="none" strike="noStrike" dirty="0">
+                <a:solidFill>
+                  <a:srgbClr val="000000"/>
+                </a:solidFill>
+                <a:effectLst/>
+                <a:latin typeface="Montserrat" panose="00000500000000000000" pitchFamily="2" charset="0"/>
+              </a:rPr>
+              <a:t>experience level.</a:t>
+            </a:r>
+            <a:endParaRPr lang="en-US" dirty="0"/>
           </a:p>
         </p:txBody>
       </p:sp>

--- a/Data Science Job Profile Analysis.pptx
+++ b/Data Science Job Profile Analysis.pptx
@@ -6186,7 +6186,7 @@
             </a:r>
             <a:r>
               <a:rPr lang="en-US" dirty="0"/>
-              <a:t> dataset to get an idea of what the typical data scientist job profile looks like. The goal of my analysis was to </a:t>
+              <a:t> dataset to analyze the profiles of data scientists. The goal of my analysis was to </a:t>
             </a:r>
             <a:r>
               <a:rPr lang="en-US" sz="1800" b="0" i="0" u="none" strike="noStrike" dirty="0">
